--- a/Weekly Updates/Aug 30.pptx
+++ b/Weekly Updates/Aug 30.pptx
@@ -114,12 +114,33 @@
 </p:presentation>
 </file>
 
-<file path=ppt/revisionInfo.xml><?xml version="1.0" encoding="utf-8"?>
-<p1510:revInfo xmlns:a="http://schemas.openxmlformats.org/drawingml/2006/main" xmlns:r="http://schemas.openxmlformats.org/officeDocument/2006/relationships" xmlns:p1510="http://schemas.microsoft.com/office/powerpoint/2015/10/main">
-  <p1510:revLst>
-    <p1510:client id="{DE22AA89-4A1C-4091-0077-5FEB44501150}" v="527" dt="2020-08-28T16:11:03.894"/>
-  </p1510:revLst>
-</p1510:revInfo>
+<file path=ppt/changesInfos/changesInfo1.xml><?xml version="1.0" encoding="utf-8"?>
+<pc:chgInfo xmlns:a="http://schemas.openxmlformats.org/drawingml/2006/main" xmlns:r="http://schemas.openxmlformats.org/officeDocument/2006/relationships" xmlns:ac="http://schemas.microsoft.com/office/drawing/2013/main/command" xmlns:pc="http://schemas.microsoft.com/office/powerpoint/2013/main/command">
+  <pc:docChgLst>
+    <pc:chgData name="Gabriel Berlin" userId="85145b535eda8627" providerId="LiveId" clId="{4ED2FAA5-79F9-4F68-9A30-3FD831AE966B}"/>
+    <pc:docChg chg="modSld">
+      <pc:chgData name="Gabriel Berlin" userId="85145b535eda8627" providerId="LiveId" clId="{4ED2FAA5-79F9-4F68-9A30-3FD831AE966B}" dt="2020-08-30T14:33:39.745" v="129" actId="20577"/>
+      <pc:docMkLst>
+        <pc:docMk/>
+      </pc:docMkLst>
+      <pc:sldChg chg="modSp mod">
+        <pc:chgData name="Gabriel Berlin" userId="85145b535eda8627" providerId="LiveId" clId="{4ED2FAA5-79F9-4F68-9A30-3FD831AE966B}" dt="2020-08-30T14:33:39.745" v="129" actId="20577"/>
+        <pc:sldMkLst>
+          <pc:docMk/>
+          <pc:sldMk cId="273179417" sldId="258"/>
+        </pc:sldMkLst>
+        <pc:spChg chg="mod">
+          <ac:chgData name="Gabriel Berlin" userId="85145b535eda8627" providerId="LiveId" clId="{4ED2FAA5-79F9-4F68-9A30-3FD831AE966B}" dt="2020-08-30T14:33:39.745" v="129" actId="20577"/>
+          <ac:spMkLst>
+            <pc:docMk/>
+            <pc:sldMk cId="273179417" sldId="258"/>
+            <ac:spMk id="3" creationId="{0749F377-C0C1-4DFA-A63A-A0EFA8F37F65}"/>
+          </ac:spMkLst>
+        </pc:spChg>
+      </pc:sldChg>
+    </pc:docChg>
+  </pc:docChgLst>
+</pc:chgInfo>
 </file>
 
 <file path=ppt/slideLayouts/slideLayout1.xml><?xml version="1.0" encoding="utf-8"?>
@@ -251,7 +272,7 @@
           <a:p>
             <a:fld id="{846CE7D5-CF57-46EF-B807-FDD0502418D4}" type="datetimeFigureOut">
               <a:rPr lang="en-US" smtClean="0"/>
-              <a:t>8/29/2020</a:t>
+              <a:t>8/30/2020</a:t>
             </a:fld>
             <a:endParaRPr lang="en-US"/>
           </a:p>
@@ -419,7 +440,7 @@
           <a:p>
             <a:fld id="{846CE7D5-CF57-46EF-B807-FDD0502418D4}" type="datetimeFigureOut">
               <a:rPr lang="en-US" smtClean="0"/>
-              <a:t>8/29/2020</a:t>
+              <a:t>8/30/2020</a:t>
             </a:fld>
             <a:endParaRPr lang="en-US"/>
           </a:p>
@@ -597,7 +618,7 @@
           <a:p>
             <a:fld id="{846CE7D5-CF57-46EF-B807-FDD0502418D4}" type="datetimeFigureOut">
               <a:rPr lang="en-US" smtClean="0"/>
-              <a:t>8/29/2020</a:t>
+              <a:t>8/30/2020</a:t>
             </a:fld>
             <a:endParaRPr lang="en-US"/>
           </a:p>
@@ -765,7 +786,7 @@
           <a:p>
             <a:fld id="{846CE7D5-CF57-46EF-B807-FDD0502418D4}" type="datetimeFigureOut">
               <a:rPr lang="en-US" smtClean="0"/>
-              <a:t>8/29/2020</a:t>
+              <a:t>8/30/2020</a:t>
             </a:fld>
             <a:endParaRPr lang="en-US"/>
           </a:p>
@@ -1010,7 +1031,7 @@
           <a:p>
             <a:fld id="{846CE7D5-CF57-46EF-B807-FDD0502418D4}" type="datetimeFigureOut">
               <a:rPr lang="en-US" smtClean="0"/>
-              <a:t>8/29/2020</a:t>
+              <a:t>8/30/2020</a:t>
             </a:fld>
             <a:endParaRPr lang="en-US"/>
           </a:p>
@@ -1239,7 +1260,7 @@
           <a:p>
             <a:fld id="{846CE7D5-CF57-46EF-B807-FDD0502418D4}" type="datetimeFigureOut">
               <a:rPr lang="en-US" smtClean="0"/>
-              <a:t>8/29/2020</a:t>
+              <a:t>8/30/2020</a:t>
             </a:fld>
             <a:endParaRPr lang="en-US"/>
           </a:p>
@@ -1603,7 +1624,7 @@
           <a:p>
             <a:fld id="{846CE7D5-CF57-46EF-B807-FDD0502418D4}" type="datetimeFigureOut">
               <a:rPr lang="en-US" smtClean="0"/>
-              <a:t>8/29/2020</a:t>
+              <a:t>8/30/2020</a:t>
             </a:fld>
             <a:endParaRPr lang="en-US"/>
           </a:p>
@@ -1720,7 +1741,7 @@
           <a:p>
             <a:fld id="{846CE7D5-CF57-46EF-B807-FDD0502418D4}" type="datetimeFigureOut">
               <a:rPr lang="en-US" smtClean="0"/>
-              <a:t>8/29/2020</a:t>
+              <a:t>8/30/2020</a:t>
             </a:fld>
             <a:endParaRPr lang="en-US"/>
           </a:p>
@@ -1815,7 +1836,7 @@
           <a:p>
             <a:fld id="{846CE7D5-CF57-46EF-B807-FDD0502418D4}" type="datetimeFigureOut">
               <a:rPr lang="en-US" smtClean="0"/>
-              <a:t>8/29/2020</a:t>
+              <a:t>8/30/2020</a:t>
             </a:fld>
             <a:endParaRPr lang="en-US"/>
           </a:p>
@@ -2090,7 +2111,7 @@
           <a:p>
             <a:fld id="{846CE7D5-CF57-46EF-B807-FDD0502418D4}" type="datetimeFigureOut">
               <a:rPr lang="en-US" smtClean="0"/>
-              <a:t>8/29/2020</a:t>
+              <a:t>8/30/2020</a:t>
             </a:fld>
             <a:endParaRPr lang="en-US"/>
           </a:p>
@@ -2345,7 +2366,7 @@
           <a:p>
             <a:fld id="{846CE7D5-CF57-46EF-B807-FDD0502418D4}" type="datetimeFigureOut">
               <a:rPr lang="en-US" smtClean="0"/>
-              <a:t>8/29/2020</a:t>
+              <a:t>8/30/2020</a:t>
             </a:fld>
             <a:endParaRPr lang="en-US"/>
           </a:p>
@@ -2556,7 +2577,7 @@
           <a:p>
             <a:fld id="{846CE7D5-CF57-46EF-B807-FDD0502418D4}" type="datetimeFigureOut">
               <a:rPr lang="en-US" smtClean="0"/>
-              <a:t>8/29/2020</a:t>
+              <a:t>8/30/2020</a:t>
             </a:fld>
             <a:endParaRPr lang="en-US"/>
           </a:p>
@@ -3241,6 +3262,14 @@
               <a:t> to optimize algorithm parameters</a:t>
             </a:r>
           </a:p>
+          <a:p>
+            <a:r>
+              <a:rPr lang="en-US" dirty="0">
+                <a:cs typeface="Calibri"/>
+              </a:rPr>
+              <a:t>Additionally, we want to research recommender systems in more detail</a:t>
+            </a:r>
+          </a:p>
         </p:txBody>
       </p:sp>
     </p:spTree>

--- a/Weekly Updates/Aug 30.pptx
+++ b/Weekly Updates/Aug 30.pptx
@@ -8,6 +8,9 @@
     <p:sldId id="256" r:id="rId2"/>
     <p:sldId id="257" r:id="rId3"/>
     <p:sldId id="258" r:id="rId4"/>
+    <p:sldId id="259" r:id="rId5"/>
+    <p:sldId id="260" r:id="rId6"/>
+    <p:sldId id="261" r:id="rId7"/>
   </p:sldIdLst>
   <p:sldSz cx="12192000" cy="6858000"/>
   <p:notesSz cx="6858000" cy="9144000"/>
@@ -272,7 +275,7 @@
           <a:p>
             <a:fld id="{846CE7D5-CF57-46EF-B807-FDD0502418D4}" type="datetimeFigureOut">
               <a:rPr lang="en-US" smtClean="0"/>
-              <a:t>8/30/2020</a:t>
+              <a:t>9/6/2020</a:t>
             </a:fld>
             <a:endParaRPr lang="en-US"/>
           </a:p>
@@ -440,7 +443,7 @@
           <a:p>
             <a:fld id="{846CE7D5-CF57-46EF-B807-FDD0502418D4}" type="datetimeFigureOut">
               <a:rPr lang="en-US" smtClean="0"/>
-              <a:t>8/30/2020</a:t>
+              <a:t>9/6/2020</a:t>
             </a:fld>
             <a:endParaRPr lang="en-US"/>
           </a:p>
@@ -618,7 +621,7 @@
           <a:p>
             <a:fld id="{846CE7D5-CF57-46EF-B807-FDD0502418D4}" type="datetimeFigureOut">
               <a:rPr lang="en-US" smtClean="0"/>
-              <a:t>8/30/2020</a:t>
+              <a:t>9/6/2020</a:t>
             </a:fld>
             <a:endParaRPr lang="en-US"/>
           </a:p>
@@ -786,7 +789,7 @@
           <a:p>
             <a:fld id="{846CE7D5-CF57-46EF-B807-FDD0502418D4}" type="datetimeFigureOut">
               <a:rPr lang="en-US" smtClean="0"/>
-              <a:t>8/30/2020</a:t>
+              <a:t>9/6/2020</a:t>
             </a:fld>
             <a:endParaRPr lang="en-US"/>
           </a:p>
@@ -1031,7 +1034,7 @@
           <a:p>
             <a:fld id="{846CE7D5-CF57-46EF-B807-FDD0502418D4}" type="datetimeFigureOut">
               <a:rPr lang="en-US" smtClean="0"/>
-              <a:t>8/30/2020</a:t>
+              <a:t>9/6/2020</a:t>
             </a:fld>
             <a:endParaRPr lang="en-US"/>
           </a:p>
@@ -1260,7 +1263,7 @@
           <a:p>
             <a:fld id="{846CE7D5-CF57-46EF-B807-FDD0502418D4}" type="datetimeFigureOut">
               <a:rPr lang="en-US" smtClean="0"/>
-              <a:t>8/30/2020</a:t>
+              <a:t>9/6/2020</a:t>
             </a:fld>
             <a:endParaRPr lang="en-US"/>
           </a:p>
@@ -1624,7 +1627,7 @@
           <a:p>
             <a:fld id="{846CE7D5-CF57-46EF-B807-FDD0502418D4}" type="datetimeFigureOut">
               <a:rPr lang="en-US" smtClean="0"/>
-              <a:t>8/30/2020</a:t>
+              <a:t>9/6/2020</a:t>
             </a:fld>
             <a:endParaRPr lang="en-US"/>
           </a:p>
@@ -1741,7 +1744,7 @@
           <a:p>
             <a:fld id="{846CE7D5-CF57-46EF-B807-FDD0502418D4}" type="datetimeFigureOut">
               <a:rPr lang="en-US" smtClean="0"/>
-              <a:t>8/30/2020</a:t>
+              <a:t>9/6/2020</a:t>
             </a:fld>
             <a:endParaRPr lang="en-US"/>
           </a:p>
@@ -1836,7 +1839,7 @@
           <a:p>
             <a:fld id="{846CE7D5-CF57-46EF-B807-FDD0502418D4}" type="datetimeFigureOut">
               <a:rPr lang="en-US" smtClean="0"/>
-              <a:t>8/30/2020</a:t>
+              <a:t>9/6/2020</a:t>
             </a:fld>
             <a:endParaRPr lang="en-US"/>
           </a:p>
@@ -2111,7 +2114,7 @@
           <a:p>
             <a:fld id="{846CE7D5-CF57-46EF-B807-FDD0502418D4}" type="datetimeFigureOut">
               <a:rPr lang="en-US" smtClean="0"/>
-              <a:t>8/30/2020</a:t>
+              <a:t>9/6/2020</a:t>
             </a:fld>
             <a:endParaRPr lang="en-US"/>
           </a:p>
@@ -2366,7 +2369,7 @@
           <a:p>
             <a:fld id="{846CE7D5-CF57-46EF-B807-FDD0502418D4}" type="datetimeFigureOut">
               <a:rPr lang="en-US" smtClean="0"/>
-              <a:t>8/30/2020</a:t>
+              <a:t>9/6/2020</a:t>
             </a:fld>
             <a:endParaRPr lang="en-US"/>
           </a:p>
@@ -2577,7 +2580,7 @@
           <a:p>
             <a:fld id="{846CE7D5-CF57-46EF-B807-FDD0502418D4}" type="datetimeFigureOut">
               <a:rPr lang="en-US" smtClean="0"/>
-              <a:t>8/30/2020</a:t>
+              <a:t>9/6/2020</a:t>
             </a:fld>
             <a:endParaRPr lang="en-US"/>
           </a:p>
@@ -3285,6 +3288,504 @@
 </p:sld>
 </file>
 
+<file path=ppt/slides/slide4.xml><?xml version="1.0" encoding="utf-8"?>
+<p:sld xmlns:a="http://schemas.openxmlformats.org/drawingml/2006/main" xmlns:r="http://schemas.openxmlformats.org/officeDocument/2006/relationships" xmlns:p="http://schemas.openxmlformats.org/presentationml/2006/main">
+  <p:cSld>
+    <p:spTree>
+      <p:nvGrpSpPr>
+        <p:cNvPr id="1" name=""/>
+        <p:cNvGrpSpPr/>
+        <p:nvPr/>
+      </p:nvGrpSpPr>
+      <p:grpSpPr>
+        <a:xfrm>
+          <a:off x="0" y="0"/>
+          <a:ext cx="0" cy="0"/>
+          <a:chOff x="0" y="0"/>
+          <a:chExt cx="0" cy="0"/>
+        </a:xfrm>
+      </p:grpSpPr>
+      <p:sp>
+        <p:nvSpPr>
+          <p:cNvPr id="2" name="Title 1"/>
+          <p:cNvSpPr>
+            <a:spLocks noGrp="1"/>
+          </p:cNvSpPr>
+          <p:nvPr>
+            <p:ph type="ctrTitle"/>
+          </p:nvPr>
+        </p:nvSpPr>
+        <p:spPr/>
+        <p:txBody>
+          <a:bodyPr/>
+          <a:lstStyle/>
+          <a:p>
+            <a:r>
+              <a:rPr lang="en-US" dirty="0">
+                <a:cs typeface="Calibri Light"/>
+              </a:rPr>
+              <a:t>Meeting September 6</a:t>
+            </a:r>
+            <a:endParaRPr lang="en-US" dirty="0"/>
+          </a:p>
+        </p:txBody>
+      </p:sp>
+      <p:sp>
+        <p:nvSpPr>
+          <p:cNvPr id="3" name="Subtitle 2"/>
+          <p:cNvSpPr>
+            <a:spLocks noGrp="1"/>
+          </p:cNvSpPr>
+          <p:nvPr>
+            <p:ph type="subTitle" idx="1"/>
+          </p:nvPr>
+        </p:nvSpPr>
+        <p:spPr/>
+        <p:txBody>
+          <a:bodyPr vert="horz" lIns="91440" tIns="45720" rIns="91440" bIns="45720" rtlCol="0" anchor="t">
+            <a:normAutofit/>
+          </a:bodyPr>
+          <a:lstStyle/>
+          <a:p>
+            <a:r>
+              <a:rPr lang="en-US" dirty="0"/>
+              <a:t>Accomplishment and Goals </a:t>
+            </a:r>
+          </a:p>
+        </p:txBody>
+      </p:sp>
+    </p:spTree>
+    <p:extLst>
+      <p:ext uri="{BB962C8B-B14F-4D97-AF65-F5344CB8AC3E}">
+        <p14:creationId xmlns:p14="http://schemas.microsoft.com/office/powerpoint/2010/main" val="2354623062"/>
+      </p:ext>
+    </p:extLst>
+  </p:cSld>
+  <p:clrMapOvr>
+    <a:masterClrMapping/>
+  </p:clrMapOvr>
+</p:sld>
+</file>
+
+<file path=ppt/slides/slide5.xml><?xml version="1.0" encoding="utf-8"?>
+<p:sld xmlns:a="http://schemas.openxmlformats.org/drawingml/2006/main" xmlns:r="http://schemas.openxmlformats.org/officeDocument/2006/relationships" xmlns:p="http://schemas.openxmlformats.org/presentationml/2006/main">
+  <p:cSld>
+    <p:spTree>
+      <p:nvGrpSpPr>
+        <p:cNvPr id="1" name=""/>
+        <p:cNvGrpSpPr/>
+        <p:nvPr/>
+      </p:nvGrpSpPr>
+      <p:grpSpPr>
+        <a:xfrm>
+          <a:off x="0" y="0"/>
+          <a:ext cx="0" cy="0"/>
+          <a:chOff x="0" y="0"/>
+          <a:chExt cx="0" cy="0"/>
+        </a:xfrm>
+      </p:grpSpPr>
+      <p:sp>
+        <p:nvSpPr>
+          <p:cNvPr id="2" name="Title 1">
+            <a:extLst>
+              <a:ext uri="{FF2B5EF4-FFF2-40B4-BE49-F238E27FC236}">
+                <a16:creationId xmlns:a16="http://schemas.microsoft.com/office/drawing/2014/main" id="{30BEF1F2-6DBA-496C-9BE8-65C31BAF6E95}"/>
+              </a:ext>
+            </a:extLst>
+          </p:cNvPr>
+          <p:cNvSpPr>
+            <a:spLocks noGrp="1"/>
+          </p:cNvSpPr>
+          <p:nvPr>
+            <p:ph type="title"/>
+          </p:nvPr>
+        </p:nvSpPr>
+        <p:spPr/>
+        <p:txBody>
+          <a:bodyPr/>
+          <a:lstStyle/>
+          <a:p>
+            <a:r>
+              <a:rPr lang="en-US">
+                <a:cs typeface="Calibri Light"/>
+              </a:rPr>
+              <a:t>Accomplishments</a:t>
+            </a:r>
+            <a:endParaRPr lang="en-US"/>
+          </a:p>
+        </p:txBody>
+      </p:sp>
+      <p:sp>
+        <p:nvSpPr>
+          <p:cNvPr id="3" name="Content Placeholder 2">
+            <a:extLst>
+              <a:ext uri="{FF2B5EF4-FFF2-40B4-BE49-F238E27FC236}">
+                <a16:creationId xmlns:a16="http://schemas.microsoft.com/office/drawing/2014/main" id="{B3CF6BD0-306F-401E-822D-1F22A155F80A}"/>
+              </a:ext>
+            </a:extLst>
+          </p:cNvPr>
+          <p:cNvSpPr>
+            <a:spLocks noGrp="1"/>
+          </p:cNvSpPr>
+          <p:nvPr>
+            <p:ph idx="1"/>
+          </p:nvPr>
+        </p:nvSpPr>
+        <p:spPr/>
+        <p:txBody>
+          <a:bodyPr vert="horz" lIns="91440" tIns="45720" rIns="91440" bIns="45720" rtlCol="0" anchor="t">
+            <a:normAutofit/>
+          </a:bodyPr>
+          <a:lstStyle/>
+          <a:p>
+            <a:r>
+              <a:rPr lang="en-US" dirty="0">
+                <a:cs typeface="Calibri"/>
+              </a:rPr>
+              <a:t>Ran cross validation on all the algorithms from surprise library </a:t>
+            </a:r>
+          </a:p>
+          <a:p>
+            <a:r>
+              <a:rPr lang="en-US" dirty="0">
+                <a:cs typeface="Calibri"/>
+              </a:rPr>
+              <a:t>Ran </a:t>
+            </a:r>
+            <a:r>
+              <a:rPr lang="en-US" dirty="0" err="1">
+                <a:cs typeface="Calibri"/>
+              </a:rPr>
+              <a:t>GridSearchCV</a:t>
+            </a:r>
+            <a:r>
+              <a:rPr lang="en-US" dirty="0">
+                <a:cs typeface="Calibri"/>
+              </a:rPr>
+              <a:t> on SVD algorithm to find best parameters</a:t>
+            </a:r>
+          </a:p>
+          <a:p>
+            <a:r>
+              <a:rPr lang="en-US" dirty="0">
+                <a:cs typeface="Calibri"/>
+              </a:rPr>
+              <a:t>Lowest error (RMSE) = 0.8483719783924384</a:t>
+            </a:r>
+          </a:p>
+          <a:p>
+            <a:pPr marL="0" indent="0">
+              <a:buNone/>
+            </a:pPr>
+            <a:r>
+              <a:rPr lang="en-US" dirty="0">
+                <a:cs typeface="Calibri"/>
+              </a:rPr>
+              <a:t>	SVD parameters: {'</a:t>
+            </a:r>
+            <a:r>
+              <a:rPr lang="en-US" dirty="0" err="1">
+                <a:cs typeface="Calibri"/>
+              </a:rPr>
+              <a:t>n_epochs</a:t>
+            </a:r>
+            <a:r>
+              <a:rPr lang="en-US" dirty="0">
+                <a:cs typeface="Calibri"/>
+              </a:rPr>
+              <a:t>': 10, '</a:t>
+            </a:r>
+            <a:r>
+              <a:rPr lang="en-US" dirty="0" err="1">
+                <a:cs typeface="Calibri"/>
+              </a:rPr>
+              <a:t>lr_all</a:t>
+            </a:r>
+            <a:r>
+              <a:rPr lang="en-US" dirty="0">
+                <a:cs typeface="Calibri"/>
+              </a:rPr>
+              <a:t>': 0.005, '</a:t>
+            </a:r>
+            <a:r>
+              <a:rPr lang="en-US" dirty="0" err="1">
+                <a:cs typeface="Calibri"/>
+              </a:rPr>
+              <a:t>reg_all</a:t>
+            </a:r>
+            <a:r>
+              <a:rPr lang="en-US" dirty="0">
+                <a:cs typeface="Calibri"/>
+              </a:rPr>
+              <a:t>': 0.4}</a:t>
+            </a:r>
+          </a:p>
+          <a:p>
+            <a:pPr marL="0" indent="0">
+              <a:buNone/>
+            </a:pPr>
+            <a:endParaRPr lang="en-US" dirty="0">
+              <a:cs typeface="Calibri"/>
+            </a:endParaRPr>
+          </a:p>
+          <a:p>
+            <a:pPr marL="0" indent="0">
+              <a:buNone/>
+            </a:pPr>
+            <a:endParaRPr lang="en-US" dirty="0">
+              <a:cs typeface="Calibri"/>
+            </a:endParaRPr>
+          </a:p>
+          <a:p>
+            <a:pPr marL="0" indent="0">
+              <a:buNone/>
+            </a:pPr>
+            <a:r>
+              <a:rPr lang="en-US" sz="1800" dirty="0">
+                <a:cs typeface="Calibri"/>
+              </a:rPr>
+              <a:t>(</a:t>
+            </a:r>
+            <a:r>
+              <a:rPr lang="en-US" sz="1800" dirty="0" err="1">
+                <a:cs typeface="Calibri"/>
+              </a:rPr>
+              <a:t>GridSearchCV</a:t>
+            </a:r>
+            <a:r>
+              <a:rPr lang="en-US" sz="1800" dirty="0">
+                <a:cs typeface="Calibri"/>
+              </a:rPr>
+              <a:t> info):</a:t>
+            </a:r>
+          </a:p>
+          <a:p>
+            <a:pPr marL="0" indent="0">
+              <a:buNone/>
+            </a:pPr>
+            <a:r>
+              <a:rPr lang="en-US" sz="1800" dirty="0">
+                <a:cs typeface="Calibri"/>
+              </a:rPr>
+              <a:t>https://surprise.readthedocs.io/en/stable/getting_started.html#tune-algorithm-parameters-with-gridsearchcv</a:t>
+            </a:r>
+          </a:p>
+        </p:txBody>
+      </p:sp>
+    </p:spTree>
+    <p:extLst>
+      <p:ext uri="{BB962C8B-B14F-4D97-AF65-F5344CB8AC3E}">
+        <p14:creationId xmlns:p14="http://schemas.microsoft.com/office/powerpoint/2010/main" val="1250394944"/>
+      </p:ext>
+    </p:extLst>
+  </p:cSld>
+  <p:clrMapOvr>
+    <a:masterClrMapping/>
+  </p:clrMapOvr>
+</p:sld>
+</file>
+
+<file path=ppt/slides/slide6.xml><?xml version="1.0" encoding="utf-8"?>
+<p:sld xmlns:a="http://schemas.openxmlformats.org/drawingml/2006/main" xmlns:r="http://schemas.openxmlformats.org/officeDocument/2006/relationships" xmlns:p="http://schemas.openxmlformats.org/presentationml/2006/main">
+  <p:cSld>
+    <p:spTree>
+      <p:nvGrpSpPr>
+        <p:cNvPr id="1" name=""/>
+        <p:cNvGrpSpPr/>
+        <p:nvPr/>
+      </p:nvGrpSpPr>
+      <p:grpSpPr>
+        <a:xfrm>
+          <a:off x="0" y="0"/>
+          <a:ext cx="0" cy="0"/>
+          <a:chOff x="0" y="0"/>
+          <a:chExt cx="0" cy="0"/>
+        </a:xfrm>
+      </p:grpSpPr>
+      <p:sp>
+        <p:nvSpPr>
+          <p:cNvPr id="2" name="Title 1">
+            <a:extLst>
+              <a:ext uri="{FF2B5EF4-FFF2-40B4-BE49-F238E27FC236}">
+                <a16:creationId xmlns:a16="http://schemas.microsoft.com/office/drawing/2014/main" id="{14D80F76-1C1B-4F6C-939E-55F6E4A161E2}"/>
+              </a:ext>
+            </a:extLst>
+          </p:cNvPr>
+          <p:cNvSpPr>
+            <a:spLocks noGrp="1"/>
+          </p:cNvSpPr>
+          <p:nvPr>
+            <p:ph type="title"/>
+          </p:nvPr>
+        </p:nvSpPr>
+        <p:spPr/>
+        <p:txBody>
+          <a:bodyPr/>
+          <a:lstStyle/>
+          <a:p>
+            <a:r>
+              <a:rPr lang="en-US">
+                <a:cs typeface="Calibri Light"/>
+              </a:rPr>
+              <a:t>Goals</a:t>
+            </a:r>
+            <a:endParaRPr lang="en-US"/>
+          </a:p>
+        </p:txBody>
+      </p:sp>
+      <p:sp>
+        <p:nvSpPr>
+          <p:cNvPr id="3" name="Content Placeholder 2">
+            <a:extLst>
+              <a:ext uri="{FF2B5EF4-FFF2-40B4-BE49-F238E27FC236}">
+                <a16:creationId xmlns:a16="http://schemas.microsoft.com/office/drawing/2014/main" id="{0749F377-C0C1-4DFA-A63A-A0EFA8F37F65}"/>
+              </a:ext>
+            </a:extLst>
+          </p:cNvPr>
+          <p:cNvSpPr>
+            <a:spLocks noGrp="1"/>
+          </p:cNvSpPr>
+          <p:nvPr>
+            <p:ph idx="1"/>
+          </p:nvPr>
+        </p:nvSpPr>
+        <p:spPr/>
+        <p:txBody>
+          <a:bodyPr vert="horz" lIns="91440" tIns="45720" rIns="91440" bIns="45720" rtlCol="0" anchor="t">
+            <a:normAutofit/>
+          </a:bodyPr>
+          <a:lstStyle/>
+          <a:p>
+            <a:r>
+              <a:rPr lang="en-US" dirty="0">
+                <a:cs typeface="Calibri"/>
+              </a:rPr>
+              <a:t>Start doing EDA on </a:t>
+            </a:r>
+            <a:r>
+              <a:rPr lang="en-US" dirty="0" err="1">
+                <a:cs typeface="Calibri"/>
+              </a:rPr>
+              <a:t>MinGredients</a:t>
+            </a:r>
+            <a:r>
+              <a:rPr lang="en-US" dirty="0">
+                <a:cs typeface="Calibri"/>
+              </a:rPr>
+              <a:t> Data </a:t>
+            </a:r>
+          </a:p>
+          <a:p>
+            <a:r>
+              <a:rPr lang="en-US" dirty="0">
+                <a:cs typeface="Calibri"/>
+              </a:rPr>
+              <a:t>Create an artificial user preferences dataset (id, </a:t>
+            </a:r>
+            <a:r>
+              <a:rPr lang="en-US" dirty="0" err="1">
+                <a:cs typeface="Calibri"/>
+              </a:rPr>
+              <a:t>fav_ingredients</a:t>
+            </a:r>
+            <a:r>
+              <a:rPr lang="en-US" dirty="0">
+                <a:cs typeface="Calibri"/>
+              </a:rPr>
+              <a:t>, </a:t>
+            </a:r>
+            <a:r>
+              <a:rPr lang="en-US" dirty="0" err="1">
+                <a:cs typeface="Calibri"/>
+              </a:rPr>
+              <a:t>past_orders</a:t>
+            </a:r>
+            <a:r>
+              <a:rPr lang="en-US" dirty="0">
+                <a:cs typeface="Calibri"/>
+              </a:rPr>
+              <a:t>, …)</a:t>
+            </a:r>
+          </a:p>
+          <a:p>
+            <a:r>
+              <a:rPr lang="en-US" dirty="0">
+                <a:cs typeface="Calibri"/>
+              </a:rPr>
+              <a:t>Generate a trainset and </a:t>
+            </a:r>
+            <a:r>
+              <a:rPr lang="en-US" dirty="0" err="1">
+                <a:cs typeface="Calibri"/>
+              </a:rPr>
+              <a:t>testset</a:t>
+            </a:r>
+            <a:r>
+              <a:rPr lang="en-US" dirty="0">
+                <a:cs typeface="Calibri"/>
+              </a:rPr>
+              <a:t> front the data </a:t>
+            </a:r>
+          </a:p>
+          <a:p>
+            <a:endParaRPr lang="en-US" dirty="0">
+              <a:cs typeface="Calibri"/>
+            </a:endParaRPr>
+          </a:p>
+          <a:p>
+            <a:endParaRPr lang="en-US" dirty="0">
+              <a:cs typeface="Calibri"/>
+            </a:endParaRPr>
+          </a:p>
+          <a:p>
+            <a:pPr marL="0" indent="0">
+              <a:buNone/>
+            </a:pPr>
+            <a:r>
+              <a:rPr lang="en-US" sz="1800" dirty="0">
+                <a:cs typeface="Calibri"/>
+              </a:rPr>
+              <a:t>(</a:t>
+            </a:r>
+            <a:r>
+              <a:rPr lang="en-US" sz="1800" dirty="0" err="1">
+                <a:cs typeface="Calibri"/>
+              </a:rPr>
+              <a:t>MinGredients</a:t>
+            </a:r>
+            <a:r>
+              <a:rPr lang="en-US" sz="1800" dirty="0">
+                <a:cs typeface="Calibri"/>
+              </a:rPr>
+              <a:t> Overview Notebook):</a:t>
+            </a:r>
+          </a:p>
+          <a:p>
+            <a:pPr marL="0" indent="0">
+              <a:buNone/>
+            </a:pPr>
+            <a:r>
+              <a:rPr lang="en-US" sz="1800" dirty="0">
+                <a:cs typeface="Calibri"/>
+              </a:rPr>
+              <a:t>https://www.kaggle.com/kmader/mingredients-overview</a:t>
+            </a:r>
+          </a:p>
+        </p:txBody>
+      </p:sp>
+    </p:spTree>
+    <p:extLst>
+      <p:ext uri="{BB962C8B-B14F-4D97-AF65-F5344CB8AC3E}">
+        <p14:creationId xmlns:p14="http://schemas.microsoft.com/office/powerpoint/2010/main" val="2856664211"/>
+      </p:ext>
+    </p:extLst>
+  </p:cSld>
+  <p:clrMapOvr>
+    <a:masterClrMapping/>
+  </p:clrMapOvr>
+</p:sld>
+</file>
+
 <file path=ppt/theme/theme1.xml><?xml version="1.0" encoding="utf-8"?>
 <a:theme xmlns:a="http://schemas.openxmlformats.org/drawingml/2006/main" name="office theme">
   <a:themeElements>

--- a/Weekly Updates/Aug 30.pptx
+++ b/Weekly Updates/Aug 30.pptx
@@ -11,6 +11,9 @@
     <p:sldId id="259" r:id="rId5"/>
     <p:sldId id="260" r:id="rId6"/>
     <p:sldId id="261" r:id="rId7"/>
+    <p:sldId id="262" r:id="rId8"/>
+    <p:sldId id="263" r:id="rId9"/>
+    <p:sldId id="264" r:id="rId10"/>
   </p:sldIdLst>
   <p:sldSz cx="12192000" cy="6858000"/>
   <p:notesSz cx="6858000" cy="9144000"/>
@@ -275,7 +278,7 @@
           <a:p>
             <a:fld id="{846CE7D5-CF57-46EF-B807-FDD0502418D4}" type="datetimeFigureOut">
               <a:rPr lang="en-US" smtClean="0"/>
-              <a:t>9/6/2020</a:t>
+              <a:t>9/13/2020</a:t>
             </a:fld>
             <a:endParaRPr lang="en-US"/>
           </a:p>
@@ -443,7 +446,7 @@
           <a:p>
             <a:fld id="{846CE7D5-CF57-46EF-B807-FDD0502418D4}" type="datetimeFigureOut">
               <a:rPr lang="en-US" smtClean="0"/>
-              <a:t>9/6/2020</a:t>
+              <a:t>9/13/2020</a:t>
             </a:fld>
             <a:endParaRPr lang="en-US"/>
           </a:p>
@@ -621,7 +624,7 @@
           <a:p>
             <a:fld id="{846CE7D5-CF57-46EF-B807-FDD0502418D4}" type="datetimeFigureOut">
               <a:rPr lang="en-US" smtClean="0"/>
-              <a:t>9/6/2020</a:t>
+              <a:t>9/13/2020</a:t>
             </a:fld>
             <a:endParaRPr lang="en-US"/>
           </a:p>
@@ -789,7 +792,7 @@
           <a:p>
             <a:fld id="{846CE7D5-CF57-46EF-B807-FDD0502418D4}" type="datetimeFigureOut">
               <a:rPr lang="en-US" smtClean="0"/>
-              <a:t>9/6/2020</a:t>
+              <a:t>9/13/2020</a:t>
             </a:fld>
             <a:endParaRPr lang="en-US"/>
           </a:p>
@@ -1034,7 +1037,7 @@
           <a:p>
             <a:fld id="{846CE7D5-CF57-46EF-B807-FDD0502418D4}" type="datetimeFigureOut">
               <a:rPr lang="en-US" smtClean="0"/>
-              <a:t>9/6/2020</a:t>
+              <a:t>9/13/2020</a:t>
             </a:fld>
             <a:endParaRPr lang="en-US"/>
           </a:p>
@@ -1263,7 +1266,7 @@
           <a:p>
             <a:fld id="{846CE7D5-CF57-46EF-B807-FDD0502418D4}" type="datetimeFigureOut">
               <a:rPr lang="en-US" smtClean="0"/>
-              <a:t>9/6/2020</a:t>
+              <a:t>9/13/2020</a:t>
             </a:fld>
             <a:endParaRPr lang="en-US"/>
           </a:p>
@@ -1627,7 +1630,7 @@
           <a:p>
             <a:fld id="{846CE7D5-CF57-46EF-B807-FDD0502418D4}" type="datetimeFigureOut">
               <a:rPr lang="en-US" smtClean="0"/>
-              <a:t>9/6/2020</a:t>
+              <a:t>9/13/2020</a:t>
             </a:fld>
             <a:endParaRPr lang="en-US"/>
           </a:p>
@@ -1744,7 +1747,7 @@
           <a:p>
             <a:fld id="{846CE7D5-CF57-46EF-B807-FDD0502418D4}" type="datetimeFigureOut">
               <a:rPr lang="en-US" smtClean="0"/>
-              <a:t>9/6/2020</a:t>
+              <a:t>9/13/2020</a:t>
             </a:fld>
             <a:endParaRPr lang="en-US"/>
           </a:p>
@@ -1839,7 +1842,7 @@
           <a:p>
             <a:fld id="{846CE7D5-CF57-46EF-B807-FDD0502418D4}" type="datetimeFigureOut">
               <a:rPr lang="en-US" smtClean="0"/>
-              <a:t>9/6/2020</a:t>
+              <a:t>9/13/2020</a:t>
             </a:fld>
             <a:endParaRPr lang="en-US"/>
           </a:p>
@@ -2114,7 +2117,7 @@
           <a:p>
             <a:fld id="{846CE7D5-CF57-46EF-B807-FDD0502418D4}" type="datetimeFigureOut">
               <a:rPr lang="en-US" smtClean="0"/>
-              <a:t>9/6/2020</a:t>
+              <a:t>9/13/2020</a:t>
             </a:fld>
             <a:endParaRPr lang="en-US"/>
           </a:p>
@@ -2369,7 +2372,7 @@
           <a:p>
             <a:fld id="{846CE7D5-CF57-46EF-B807-FDD0502418D4}" type="datetimeFigureOut">
               <a:rPr lang="en-US" smtClean="0"/>
-              <a:t>9/6/2020</a:t>
+              <a:t>9/13/2020</a:t>
             </a:fld>
             <a:endParaRPr lang="en-US"/>
           </a:p>
@@ -2580,7 +2583,7 @@
           <a:p>
             <a:fld id="{846CE7D5-CF57-46EF-B807-FDD0502418D4}" type="datetimeFigureOut">
               <a:rPr lang="en-US" smtClean="0"/>
-              <a:t>9/6/2020</a:t>
+              <a:t>9/13/2020</a:t>
             </a:fld>
             <a:endParaRPr lang="en-US"/>
           </a:p>
@@ -3786,6 +3789,368 @@
 </p:sld>
 </file>
 
+<file path=ppt/slides/slide7.xml><?xml version="1.0" encoding="utf-8"?>
+<p:sld xmlns:a="http://schemas.openxmlformats.org/drawingml/2006/main" xmlns:r="http://schemas.openxmlformats.org/officeDocument/2006/relationships" xmlns:p="http://schemas.openxmlformats.org/presentationml/2006/main">
+  <p:cSld>
+    <p:spTree>
+      <p:nvGrpSpPr>
+        <p:cNvPr id="1" name=""/>
+        <p:cNvGrpSpPr/>
+        <p:nvPr/>
+      </p:nvGrpSpPr>
+      <p:grpSpPr>
+        <a:xfrm>
+          <a:off x="0" y="0"/>
+          <a:ext cx="0" cy="0"/>
+          <a:chOff x="0" y="0"/>
+          <a:chExt cx="0" cy="0"/>
+        </a:xfrm>
+      </p:grpSpPr>
+      <p:sp>
+        <p:nvSpPr>
+          <p:cNvPr id="2" name="Title 1"/>
+          <p:cNvSpPr>
+            <a:spLocks noGrp="1"/>
+          </p:cNvSpPr>
+          <p:nvPr>
+            <p:ph type="ctrTitle"/>
+          </p:nvPr>
+        </p:nvSpPr>
+        <p:spPr/>
+        <p:txBody>
+          <a:bodyPr/>
+          <a:lstStyle/>
+          <a:p>
+            <a:r>
+              <a:rPr lang="en-US" dirty="0">
+                <a:cs typeface="Calibri Light"/>
+              </a:rPr>
+              <a:t>Meeting September 13</a:t>
+            </a:r>
+            <a:endParaRPr lang="en-US" dirty="0"/>
+          </a:p>
+        </p:txBody>
+      </p:sp>
+      <p:sp>
+        <p:nvSpPr>
+          <p:cNvPr id="3" name="Subtitle 2"/>
+          <p:cNvSpPr>
+            <a:spLocks noGrp="1"/>
+          </p:cNvSpPr>
+          <p:nvPr>
+            <p:ph type="subTitle" idx="1"/>
+          </p:nvPr>
+        </p:nvSpPr>
+        <p:spPr/>
+        <p:txBody>
+          <a:bodyPr vert="horz" lIns="91440" tIns="45720" rIns="91440" bIns="45720" rtlCol="0" anchor="t">
+            <a:normAutofit/>
+          </a:bodyPr>
+          <a:lstStyle/>
+          <a:p>
+            <a:r>
+              <a:rPr lang="en-US" dirty="0"/>
+              <a:t>Accomplishment and Goals </a:t>
+            </a:r>
+          </a:p>
+        </p:txBody>
+      </p:sp>
+    </p:spTree>
+    <p:extLst>
+      <p:ext uri="{BB962C8B-B14F-4D97-AF65-F5344CB8AC3E}">
+        <p14:creationId xmlns:p14="http://schemas.microsoft.com/office/powerpoint/2010/main" val="3356102452"/>
+      </p:ext>
+    </p:extLst>
+  </p:cSld>
+  <p:clrMapOvr>
+    <a:masterClrMapping/>
+  </p:clrMapOvr>
+</p:sld>
+</file>
+
+<file path=ppt/slides/slide8.xml><?xml version="1.0" encoding="utf-8"?>
+<p:sld xmlns:a="http://schemas.openxmlformats.org/drawingml/2006/main" xmlns:r="http://schemas.openxmlformats.org/officeDocument/2006/relationships" xmlns:p="http://schemas.openxmlformats.org/presentationml/2006/main">
+  <p:cSld>
+    <p:spTree>
+      <p:nvGrpSpPr>
+        <p:cNvPr id="1" name=""/>
+        <p:cNvGrpSpPr/>
+        <p:nvPr/>
+      </p:nvGrpSpPr>
+      <p:grpSpPr>
+        <a:xfrm>
+          <a:off x="0" y="0"/>
+          <a:ext cx="0" cy="0"/>
+          <a:chOff x="0" y="0"/>
+          <a:chExt cx="0" cy="0"/>
+        </a:xfrm>
+      </p:grpSpPr>
+      <p:sp>
+        <p:nvSpPr>
+          <p:cNvPr id="2" name="Title 1">
+            <a:extLst>
+              <a:ext uri="{FF2B5EF4-FFF2-40B4-BE49-F238E27FC236}">
+                <a16:creationId xmlns:a16="http://schemas.microsoft.com/office/drawing/2014/main" id="{30BEF1F2-6DBA-496C-9BE8-65C31BAF6E95}"/>
+              </a:ext>
+            </a:extLst>
+          </p:cNvPr>
+          <p:cNvSpPr>
+            <a:spLocks noGrp="1"/>
+          </p:cNvSpPr>
+          <p:nvPr>
+            <p:ph type="title"/>
+          </p:nvPr>
+        </p:nvSpPr>
+        <p:spPr/>
+        <p:txBody>
+          <a:bodyPr/>
+          <a:lstStyle/>
+          <a:p>
+            <a:r>
+              <a:rPr lang="en-US">
+                <a:cs typeface="Calibri Light"/>
+              </a:rPr>
+              <a:t>Accomplishments</a:t>
+            </a:r>
+            <a:endParaRPr lang="en-US"/>
+          </a:p>
+        </p:txBody>
+      </p:sp>
+      <p:sp>
+        <p:nvSpPr>
+          <p:cNvPr id="3" name="Content Placeholder 2">
+            <a:extLst>
+              <a:ext uri="{FF2B5EF4-FFF2-40B4-BE49-F238E27FC236}">
+                <a16:creationId xmlns:a16="http://schemas.microsoft.com/office/drawing/2014/main" id="{B3CF6BD0-306F-401E-822D-1F22A155F80A}"/>
+              </a:ext>
+            </a:extLst>
+          </p:cNvPr>
+          <p:cNvSpPr>
+            <a:spLocks noGrp="1"/>
+          </p:cNvSpPr>
+          <p:nvPr>
+            <p:ph idx="1"/>
+          </p:nvPr>
+        </p:nvSpPr>
+        <p:spPr/>
+        <p:txBody>
+          <a:bodyPr vert="horz" lIns="91440" tIns="45720" rIns="91440" bIns="45720" rtlCol="0" anchor="t">
+            <a:normAutofit/>
+          </a:bodyPr>
+          <a:lstStyle/>
+          <a:p>
+            <a:r>
+              <a:rPr lang="en-US" dirty="0">
+                <a:cs typeface="Calibri"/>
+              </a:rPr>
+              <a:t>We found a user preferences  dataset (</a:t>
+            </a:r>
+            <a:r>
+              <a:rPr lang="en-US" dirty="0" err="1">
+                <a:cs typeface="Calibri"/>
+              </a:rPr>
+              <a:t>food_coded</a:t>
+            </a:r>
+            <a:r>
+              <a:rPr lang="en-US" dirty="0">
+                <a:cs typeface="Calibri"/>
+              </a:rPr>
+              <a:t> in </a:t>
+            </a:r>
+            <a:r>
+              <a:rPr lang="en-US" dirty="0" err="1">
+                <a:cs typeface="Calibri"/>
+              </a:rPr>
+              <a:t>Github</a:t>
+            </a:r>
+            <a:r>
+              <a:rPr lang="en-US" dirty="0">
+                <a:cs typeface="Calibri"/>
+              </a:rPr>
+              <a:t>) </a:t>
+            </a:r>
+          </a:p>
+          <a:p>
+            <a:r>
+              <a:rPr lang="en-US" dirty="0">
+                <a:cs typeface="Calibri"/>
+              </a:rPr>
+              <a:t>We cleaned the items table (in </a:t>
+            </a:r>
+            <a:r>
+              <a:rPr lang="en-US" dirty="0" err="1">
+                <a:cs typeface="Calibri"/>
+              </a:rPr>
+              <a:t>Github</a:t>
+            </a:r>
+            <a:r>
+              <a:rPr lang="en-US" dirty="0">
+                <a:cs typeface="Calibri"/>
+              </a:rPr>
+              <a:t>)</a:t>
+            </a:r>
+          </a:p>
+          <a:p>
+            <a:r>
+              <a:rPr lang="en-US" dirty="0">
+                <a:cs typeface="Calibri"/>
+              </a:rPr>
+              <a:t>We set up an effective coding environment, so we can work faster (Atom)</a:t>
+            </a:r>
+          </a:p>
+          <a:p>
+            <a:pPr marL="0" indent="0">
+              <a:buNone/>
+            </a:pPr>
+            <a:endParaRPr lang="en-US" dirty="0">
+              <a:cs typeface="Calibri"/>
+            </a:endParaRPr>
+          </a:p>
+          <a:p>
+            <a:pPr marL="0" indent="0">
+              <a:buNone/>
+            </a:pPr>
+            <a:endParaRPr lang="en-US" dirty="0">
+              <a:cs typeface="Calibri"/>
+            </a:endParaRPr>
+          </a:p>
+        </p:txBody>
+      </p:sp>
+    </p:spTree>
+    <p:extLst>
+      <p:ext uri="{BB962C8B-B14F-4D97-AF65-F5344CB8AC3E}">
+        <p14:creationId xmlns:p14="http://schemas.microsoft.com/office/powerpoint/2010/main" val="2339288354"/>
+      </p:ext>
+    </p:extLst>
+  </p:cSld>
+  <p:clrMapOvr>
+    <a:masterClrMapping/>
+  </p:clrMapOvr>
+</p:sld>
+</file>
+
+<file path=ppt/slides/slide9.xml><?xml version="1.0" encoding="utf-8"?>
+<p:sld xmlns:a="http://schemas.openxmlformats.org/drawingml/2006/main" xmlns:r="http://schemas.openxmlformats.org/officeDocument/2006/relationships" xmlns:p="http://schemas.openxmlformats.org/presentationml/2006/main">
+  <p:cSld>
+    <p:spTree>
+      <p:nvGrpSpPr>
+        <p:cNvPr id="1" name=""/>
+        <p:cNvGrpSpPr/>
+        <p:nvPr/>
+      </p:nvGrpSpPr>
+      <p:grpSpPr>
+        <a:xfrm>
+          <a:off x="0" y="0"/>
+          <a:ext cx="0" cy="0"/>
+          <a:chOff x="0" y="0"/>
+          <a:chExt cx="0" cy="0"/>
+        </a:xfrm>
+      </p:grpSpPr>
+      <p:sp>
+        <p:nvSpPr>
+          <p:cNvPr id="2" name="Title 1">
+            <a:extLst>
+              <a:ext uri="{FF2B5EF4-FFF2-40B4-BE49-F238E27FC236}">
+                <a16:creationId xmlns:a16="http://schemas.microsoft.com/office/drawing/2014/main" id="{14D80F76-1C1B-4F6C-939E-55F6E4A161E2}"/>
+              </a:ext>
+            </a:extLst>
+          </p:cNvPr>
+          <p:cNvSpPr>
+            <a:spLocks noGrp="1"/>
+          </p:cNvSpPr>
+          <p:nvPr>
+            <p:ph type="title"/>
+          </p:nvPr>
+        </p:nvSpPr>
+        <p:spPr/>
+        <p:txBody>
+          <a:bodyPr/>
+          <a:lstStyle/>
+          <a:p>
+            <a:r>
+              <a:rPr lang="en-US">
+                <a:cs typeface="Calibri Light"/>
+              </a:rPr>
+              <a:t>Goals</a:t>
+            </a:r>
+            <a:endParaRPr lang="en-US"/>
+          </a:p>
+        </p:txBody>
+      </p:sp>
+      <p:sp>
+        <p:nvSpPr>
+          <p:cNvPr id="3" name="Content Placeholder 2">
+            <a:extLst>
+              <a:ext uri="{FF2B5EF4-FFF2-40B4-BE49-F238E27FC236}">
+                <a16:creationId xmlns:a16="http://schemas.microsoft.com/office/drawing/2014/main" id="{0749F377-C0C1-4DFA-A63A-A0EFA8F37F65}"/>
+              </a:ext>
+            </a:extLst>
+          </p:cNvPr>
+          <p:cNvSpPr>
+            <a:spLocks noGrp="1"/>
+          </p:cNvSpPr>
+          <p:nvPr>
+            <p:ph idx="1"/>
+          </p:nvPr>
+        </p:nvSpPr>
+        <p:spPr/>
+        <p:txBody>
+          <a:bodyPr vert="horz" lIns="91440" tIns="45720" rIns="91440" bIns="45720" rtlCol="0" anchor="t">
+            <a:normAutofit/>
+          </a:bodyPr>
+          <a:lstStyle/>
+          <a:p>
+            <a:r>
+              <a:rPr lang="en-US" dirty="0">
+                <a:cs typeface="Calibri"/>
+              </a:rPr>
+              <a:t> Finish cleaning the items and user datasets</a:t>
+            </a:r>
+          </a:p>
+          <a:p>
+            <a:r>
+              <a:rPr lang="en-US" dirty="0">
+                <a:cs typeface="Calibri"/>
+              </a:rPr>
+              <a:t>Create a user-item ratings matrix by matching user preferences with food attributes</a:t>
+            </a:r>
+          </a:p>
+          <a:p>
+            <a:pPr lvl="1"/>
+            <a:r>
+              <a:rPr lang="en-US" dirty="0">
+                <a:cs typeface="Calibri"/>
+              </a:rPr>
+              <a:t>Need </a:t>
+            </a:r>
+            <a:r>
+              <a:rPr lang="en-US">
+                <a:cs typeface="Calibri"/>
+              </a:rPr>
+              <a:t>to develop method </a:t>
+            </a:r>
+            <a:r>
+              <a:rPr lang="en-US" dirty="0">
+                <a:cs typeface="Calibri"/>
+              </a:rPr>
+              <a:t>to generate ratings using these datasets</a:t>
+            </a:r>
+          </a:p>
+        </p:txBody>
+      </p:sp>
+    </p:spTree>
+    <p:extLst>
+      <p:ext uri="{BB962C8B-B14F-4D97-AF65-F5344CB8AC3E}">
+        <p14:creationId xmlns:p14="http://schemas.microsoft.com/office/powerpoint/2010/main" val="20764093"/>
+      </p:ext>
+    </p:extLst>
+  </p:cSld>
+  <p:clrMapOvr>
+    <a:masterClrMapping/>
+  </p:clrMapOvr>
+</p:sld>
+</file>
+
 <file path=ppt/theme/theme1.xml><?xml version="1.0" encoding="utf-8"?>
 <a:theme xmlns:a="http://schemas.openxmlformats.org/drawingml/2006/main" name="office theme">
   <a:themeElements>
